--- a/English Scratch Cards easier to translate/microbit-cards.pptx
+++ b/English Scratch Cards easier to translate/microbit-cards.pptx
@@ -223,7 +223,7 @@
           <a:p>
             <a:fld id="{3CEA8EFF-759D-104F-87FE-F45EEEF4B6E3}" type="datetimeFigureOut">
               <a:rPr lang="en-US" smtClean="0"/>
-              <a:t>6/14/2020</a:t>
+              <a:t>1/24/2021</a:t>
             </a:fld>
             <a:endParaRPr lang="en-US"/>
           </a:p>
@@ -715,7 +715,7 @@
           <a:p>
             <a:fld id="{1D8BD707-D9CF-40AE-B4C6-C98DA3205C09}" type="datetimeFigureOut">
               <a:rPr lang="en-US"/>
-              <a:t>6/14/2020</a:t>
+              <a:t>1/24/2021</a:t>
             </a:fld>
             <a:endParaRPr lang="en-US"/>
           </a:p>
@@ -890,7 +890,7 @@
           <a:p>
             <a:fld id="{1D8BD707-D9CF-40AE-B4C6-C98DA3205C09}" type="datetimeFigureOut">
               <a:rPr lang="en-US"/>
-              <a:t>6/14/2020</a:t>
+              <a:t>1/24/2021</a:t>
             </a:fld>
             <a:endParaRPr lang="en-US"/>
           </a:p>
@@ -1104,7 +1104,7 @@
           <a:p>
             <a:fld id="{1D8BD707-D9CF-40AE-B4C6-C98DA3205C09}" type="datetimeFigureOut">
               <a:rPr lang="en-US"/>
-              <a:t>6/14/2020</a:t>
+              <a:t>1/24/2021</a:t>
             </a:fld>
             <a:endParaRPr lang="en-US"/>
           </a:p>
@@ -1252,7 +1252,7 @@
           <a:p>
             <a:fld id="{1D8BD707-D9CF-40AE-B4C6-C98DA3205C09}" type="datetimeFigureOut">
               <a:rPr lang="en-US"/>
-              <a:t>6/14/2020</a:t>
+              <a:t>1/24/2021</a:t>
             </a:fld>
             <a:endParaRPr lang="en-US"/>
           </a:p>
@@ -1371,7 +1371,7 @@
           <a:p>
             <a:fld id="{1D8BD707-D9CF-40AE-B4C6-C98DA3205C09}" type="datetimeFigureOut">
               <a:rPr lang="en-US"/>
-              <a:t>6/14/2020</a:t>
+              <a:t>1/24/2021</a:t>
             </a:fld>
             <a:endParaRPr lang="en-US"/>
           </a:p>
@@ -1594,7 +1594,7 @@
           <a:p>
             <a:fld id="{1D8BD707-D9CF-40AE-B4C6-C98DA3205C09}" type="datetimeFigureOut">
               <a:rPr lang="en-US"/>
-              <a:t>6/14/2020</a:t>
+              <a:t>1/24/2021</a:t>
             </a:fld>
             <a:endParaRPr lang="en-US"/>
           </a:p>
@@ -5552,8 +5552,8 @@
         </p:nvSpPr>
         <p:spPr>
           <a:xfrm>
-            <a:off x="1237473" y="848712"/>
-            <a:ext cx="2097054" cy="751488"/>
+            <a:off x="-586" y="848712"/>
+            <a:ext cx="4572585" cy="751488"/>
           </a:xfrm>
           <a:prstGeom prst="rect">
             <a:avLst/>
@@ -5608,8 +5608,8 @@
         </p:nvSpPr>
         <p:spPr>
           <a:xfrm>
-            <a:off x="961508" y="5022850"/>
-            <a:ext cx="2649220" cy="452120"/>
+            <a:off x="-1" y="5022850"/>
+            <a:ext cx="4571999" cy="452120"/>
           </a:xfrm>
           <a:prstGeom prst="rect">
             <a:avLst/>
@@ -5621,7 +5621,7 @@
           </a:bodyPr>
           <a:lstStyle/>
           <a:p>
-            <a:pPr marL="142875" marR="5080" indent="-130810">
+            <a:pPr marL="142875" marR="5080" indent="-130810" algn="ctr">
               <a:lnSpc>
                 <a:spcPct val="100000"/>
               </a:lnSpc>
@@ -5677,7 +5677,26 @@
                 <a:latin typeface="Source Sans Pro"/>
                 <a:cs typeface="Source Sans Pro"/>
               </a:rPr>
-              <a:t>the  </a:t>
+              <a:t>the</a:t>
+            </a:r>
+            <a:br>
+              <a:rPr lang="nl-NL" sz="1400" b="1" dirty="0">
+                <a:solidFill>
+                  <a:srgbClr val="FFFFFF"/>
+                </a:solidFill>
+                <a:latin typeface="Source Sans Pro"/>
+                <a:cs typeface="Source Sans Pro"/>
+              </a:rPr>
+            </a:br>
+            <a:r>
+              <a:rPr sz="1400" b="1" dirty="0">
+                <a:solidFill>
+                  <a:srgbClr val="FFFFFF"/>
+                </a:solidFill>
+                <a:latin typeface="Source Sans Pro"/>
+                <a:cs typeface="Source Sans Pro"/>
+              </a:rPr>
+              <a:t> </a:t>
             </a:r>
             <a:r>
               <a:rPr sz="1400" b="1" spc="-5" dirty="0">
@@ -6325,8 +6344,8 @@
         </p:nvSpPr>
         <p:spPr>
           <a:xfrm>
-            <a:off x="3366782" y="5937250"/>
-            <a:ext cx="751840" cy="177800"/>
+            <a:off x="2722769" y="5937249"/>
+            <a:ext cx="1395853" cy="166712"/>
           </a:xfrm>
           <a:prstGeom prst="rect">
             <a:avLst/>
@@ -6338,7 +6357,7 @@
           </a:bodyPr>
           <a:lstStyle/>
           <a:p>
-            <a:pPr marL="12700">
+            <a:pPr marL="12700" algn="r">
               <a:lnSpc>
                 <a:spcPct val="100000"/>
               </a:lnSpc>
@@ -6802,7 +6821,7 @@
         <p:spPr>
           <a:xfrm>
             <a:off x="2897046" y="2268015"/>
-            <a:ext cx="829944" cy="330200"/>
+            <a:ext cx="829944" cy="312393"/>
           </a:xfrm>
           <a:prstGeom prst="rect">
             <a:avLst/>
@@ -6814,7 +6833,7 @@
           </a:bodyPr>
           <a:lstStyle/>
           <a:p>
-            <a:pPr marL="166370" marR="5080" indent="-154305">
+            <a:pPr marR="5080" algn="ctr">
               <a:lnSpc>
                 <a:spcPct val="111100"/>
               </a:lnSpc>
@@ -6882,7 +6901,7 @@
               </a:rPr>
               <a:t>Chirp.</a:t>
             </a:r>
-            <a:endParaRPr sz="900">
+            <a:endParaRPr sz="900" dirty="0">
               <a:latin typeface="SourceSansPro-Semibold"/>
               <a:cs typeface="SourceSansPro-Semibold"/>
             </a:endParaRPr>
@@ -7377,8 +7396,8 @@
         </p:nvSpPr>
         <p:spPr>
           <a:xfrm>
-            <a:off x="1799169" y="996950"/>
-            <a:ext cx="1569244" cy="228268"/>
+            <a:off x="0" y="996950"/>
+            <a:ext cx="4572000" cy="228268"/>
           </a:xfrm>
           <a:prstGeom prst="rect">
             <a:avLst/>
@@ -7390,7 +7409,7 @@
           </a:bodyPr>
           <a:lstStyle/>
           <a:p>
-            <a:pPr marL="12700">
+            <a:pPr marL="12700" algn="ctr">
               <a:lnSpc>
                 <a:spcPct val="100000"/>
               </a:lnSpc>
@@ -7614,7 +7633,7 @@
         <p:spPr>
           <a:xfrm>
             <a:off x="412744" y="2251485"/>
-            <a:ext cx="1461135" cy="330200"/>
+            <a:ext cx="1461135" cy="312393"/>
           </a:xfrm>
           <a:prstGeom prst="rect">
             <a:avLst/>
@@ -7626,7 +7645,7 @@
           </a:bodyPr>
           <a:lstStyle/>
           <a:p>
-            <a:pPr marL="114300" marR="5080" indent="-102235">
+            <a:pPr marR="5080" algn="ctr">
               <a:lnSpc>
                 <a:spcPct val="111100"/>
               </a:lnSpc>
@@ -7724,7 +7743,7 @@
               </a:rPr>
               <a:t>Hatchling.</a:t>
             </a:r>
-            <a:endParaRPr sz="900">
+            <a:endParaRPr sz="900" dirty="0">
               <a:latin typeface="SourceSansPro-Semibold"/>
               <a:cs typeface="SourceSansPro-Semibold"/>
             </a:endParaRPr>
@@ -8500,34 +8519,20 @@
         </p:nvSpPr>
         <p:spPr>
           <a:xfrm>
-            <a:off x="781512" y="5443352"/>
-            <a:ext cx="2586901" cy="544195"/>
+            <a:off x="215900" y="5848389"/>
+            <a:ext cx="2719765" cy="140341"/>
           </a:xfrm>
           <a:prstGeom prst="rect">
             <a:avLst/>
           </a:prstGeom>
         </p:spPr>
         <p:txBody>
-          <a:bodyPr vert="horz" wrap="square" lIns="0" tIns="12700" rIns="0" bIns="0" rtlCol="0">
+          <a:bodyPr vert="horz" wrap="square" lIns="0" tIns="0" rIns="0" bIns="0" rtlCol="0">
             <a:spAutoFit/>
           </a:bodyPr>
           <a:lstStyle/>
           <a:p>
-            <a:pPr marL="1233805">
-              <a:lnSpc>
-                <a:spcPct val="100000"/>
-              </a:lnSpc>
-              <a:spcBef>
-                <a:spcPts val="100"/>
-              </a:spcBef>
-            </a:pPr>
-            <a:endParaRPr sz="1400" b="1" dirty="0">
-              <a:latin typeface="Montserrat Black" pitchFamily="2" charset="77"/>
-              <a:cs typeface="Burbank Big Regular"/>
-            </a:endParaRPr>
-          </a:p>
-          <a:p>
-            <a:pPr marL="12700">
+            <a:pPr marL="12700" algn="r">
               <a:lnSpc>
                 <a:spcPct val="100000"/>
               </a:lnSpc>
@@ -8759,8 +8764,8 @@
         </p:nvSpPr>
         <p:spPr>
           <a:xfrm>
-            <a:off x="1609247" y="3026895"/>
-            <a:ext cx="1814418" cy="228268"/>
+            <a:off x="0" y="3026895"/>
+            <a:ext cx="4572000" cy="228268"/>
           </a:xfrm>
           <a:prstGeom prst="rect">
             <a:avLst/>
@@ -8772,7 +8777,7 @@
           </a:bodyPr>
           <a:lstStyle/>
           <a:p>
-            <a:pPr marL="12700">
+            <a:pPr marL="12700" algn="ctr">
               <a:lnSpc>
                 <a:spcPct val="100000"/>
               </a:lnSpc>
@@ -8987,8 +8992,8 @@
         </p:nvSpPr>
         <p:spPr>
           <a:xfrm>
-            <a:off x="2674173" y="4583691"/>
-            <a:ext cx="1259205" cy="330200"/>
+            <a:off x="3139804" y="4619347"/>
+            <a:ext cx="1259205" cy="312393"/>
           </a:xfrm>
           <a:prstGeom prst="rect">
             <a:avLst/>
@@ -9000,34 +9005,26 @@
           </a:bodyPr>
           <a:lstStyle/>
           <a:p>
-            <a:pPr marL="327660" marR="5080" indent="-315595">
+            <a:pPr marR="5080">
               <a:lnSpc>
                 <a:spcPct val="111100"/>
               </a:lnSpc>
               <a:spcBef>
                 <a:spcPts val="100"/>
               </a:spcBef>
-              <a:tabLst>
-                <a:tab pos="275590" algn="l"/>
-              </a:tabLst>
             </a:pPr>
             <a:r>
-              <a:rPr sz="900" b="1" u="sng" dirty="0">
+              <a:rPr sz="900" b="1" spc="-10" dirty="0">
                 <a:solidFill>
                   <a:srgbClr val="636466"/>
                 </a:solidFill>
-                <a:uFill>
-                  <a:solidFill>
-                    <a:srgbClr val="636466"/>
-                  </a:solidFill>
-                </a:uFill>
                 <a:latin typeface="SourceSansPro-Semibold"/>
                 <a:cs typeface="SourceSansPro-Semibold"/>
               </a:rPr>
-              <a:t> 	</a:t>
-            </a:r>
-            <a:r>
-              <a:rPr sz="900" b="1" dirty="0">
+              <a:t>Choose your</a:t>
+            </a:r>
+            <a:r>
+              <a:rPr sz="900" b="1" spc="-114" dirty="0">
                 <a:solidFill>
                   <a:srgbClr val="636466"/>
                 </a:solidFill>
@@ -9037,66 +9034,36 @@
               <a:t> </a:t>
             </a:r>
             <a:r>
-              <a:rPr sz="900" b="1" spc="40" dirty="0">
+              <a:rPr sz="900" b="1" spc="-10" dirty="0">
                 <a:solidFill>
                   <a:srgbClr val="636466"/>
                 </a:solidFill>
                 <a:latin typeface="SourceSansPro-Semibold"/>
                 <a:cs typeface="SourceSansPro-Semibold"/>
               </a:rPr>
-              <a:t> </a:t>
-            </a:r>
-            <a:r>
-              <a:rPr sz="900" b="1" spc="-10" dirty="0">
+              <a:t>sound  from the</a:t>
+            </a:r>
+            <a:r>
+              <a:rPr sz="900" b="1" spc="-50" dirty="0">
                 <a:solidFill>
                   <a:srgbClr val="636466"/>
                 </a:solidFill>
                 <a:latin typeface="SourceSansPro-Semibold"/>
                 <a:cs typeface="SourceSansPro-Semibold"/>
               </a:rPr>
-              <a:t>Choose your</a:t>
-            </a:r>
-            <a:r>
-              <a:rPr sz="900" b="1" spc="-114" dirty="0">
+              <a:t> </a:t>
+            </a:r>
+            <a:r>
+              <a:rPr sz="900" b="1" spc="-10" dirty="0">
                 <a:solidFill>
                   <a:srgbClr val="636466"/>
                 </a:solidFill>
                 <a:latin typeface="SourceSansPro-Semibold"/>
                 <a:cs typeface="SourceSansPro-Semibold"/>
               </a:rPr>
-              <a:t> </a:t>
-            </a:r>
-            <a:r>
-              <a:rPr sz="900" b="1" spc="-10" dirty="0">
-                <a:solidFill>
-                  <a:srgbClr val="636466"/>
-                </a:solidFill>
-                <a:latin typeface="SourceSansPro-Semibold"/>
-                <a:cs typeface="SourceSansPro-Semibold"/>
-              </a:rPr>
-              <a:t>sound  from the</a:t>
-            </a:r>
-            <a:r>
-              <a:rPr sz="900" b="1" spc="-50" dirty="0">
-                <a:solidFill>
-                  <a:srgbClr val="636466"/>
-                </a:solidFill>
-                <a:latin typeface="SourceSansPro-Semibold"/>
-                <a:cs typeface="SourceSansPro-Semibold"/>
-              </a:rPr>
-              <a:t> </a:t>
-            </a:r>
-            <a:r>
-              <a:rPr sz="900" b="1" spc="-10" dirty="0">
-                <a:solidFill>
-                  <a:srgbClr val="636466"/>
-                </a:solidFill>
-                <a:latin typeface="SourceSansPro-Semibold"/>
-                <a:cs typeface="SourceSansPro-Semibold"/>
-              </a:rPr>
               <a:t>menu.</a:t>
             </a:r>
-            <a:endParaRPr sz="900">
+            <a:endParaRPr sz="900" dirty="0">
               <a:latin typeface="SourceSansPro-Semibold"/>
               <a:cs typeface="SourceSansPro-Semibold"/>
             </a:endParaRPr>
@@ -9146,8 +9113,8 @@
         </p:nvSpPr>
         <p:spPr>
           <a:xfrm>
-            <a:off x="1728892" y="5486732"/>
-            <a:ext cx="1114216" cy="228268"/>
+            <a:off x="0" y="5486732"/>
+            <a:ext cx="4572000" cy="228268"/>
           </a:xfrm>
           <a:prstGeom prst="rect">
             <a:avLst/>
@@ -9259,6 +9226,42 @@
           </a:p>
         </p:txBody>
       </p:sp>
+      <p:cxnSp>
+        <p:nvCxnSpPr>
+          <p:cNvPr id="47" name="Straight Connector 46">
+            <a:extLst>
+              <a:ext uri="{FF2B5EF4-FFF2-40B4-BE49-F238E27FC236}">
+                <a16:creationId xmlns:a16="http://schemas.microsoft.com/office/drawing/2014/main" id="{C6ADB26D-6A8C-4347-8548-EDB41A0962F5}"/>
+              </a:ext>
+            </a:extLst>
+          </p:cNvPr>
+          <p:cNvCxnSpPr/>
+          <p:nvPr/>
+        </p:nvCxnSpPr>
+        <p:spPr>
+          <a:xfrm>
+            <a:off x="2663977" y="4688010"/>
+            <a:ext cx="367676" cy="0"/>
+          </a:xfrm>
+          <a:prstGeom prst="line">
+            <a:avLst/>
+          </a:prstGeom>
+        </p:spPr>
+        <p:style>
+          <a:lnRef idx="1">
+            <a:schemeClr val="accent1"/>
+          </a:lnRef>
+          <a:fillRef idx="0">
+            <a:schemeClr val="accent1"/>
+          </a:fillRef>
+          <a:effectRef idx="0">
+            <a:schemeClr val="accent1"/>
+          </a:effectRef>
+          <a:fontRef idx="minor">
+            <a:schemeClr val="tx1"/>
+          </a:fontRef>
+        </p:style>
+      </p:cxnSp>
     </p:spTree>
   </p:cSld>
   <p:clrMapOvr>
@@ -9805,8 +9808,8 @@
         </p:nvSpPr>
         <p:spPr>
           <a:xfrm>
-            <a:off x="1295822" y="1103630"/>
-            <a:ext cx="1980564" cy="456856"/>
+            <a:off x="641342" y="1103630"/>
+            <a:ext cx="3289300" cy="457433"/>
           </a:xfrm>
           <a:prstGeom prst="rect">
             <a:avLst/>
@@ -9884,8 +9887,17 @@
                 <a:latin typeface="SourceSansPro-Semibold"/>
                 <a:cs typeface="SourceSansPro-Semibold"/>
               </a:rPr>
-              <a:t>and  </a:t>
-            </a:r>
+              <a:t>and </a:t>
+            </a:r>
+            <a:br>
+              <a:rPr lang="nl-NL" sz="1200" b="1" dirty="0">
+                <a:solidFill>
+                  <a:srgbClr val="FFFFFF"/>
+                </a:solidFill>
+                <a:latin typeface="SourceSansPro-Semibold"/>
+                <a:cs typeface="SourceSansPro-Semibold"/>
+              </a:rPr>
+            </a:br>
             <a:r>
               <a:rPr sz="1200" b="1" spc="-5" dirty="0">
                 <a:solidFill>
@@ -9915,8 +9927,8 @@
         </p:nvSpPr>
         <p:spPr>
           <a:xfrm>
-            <a:off x="1139550" y="374902"/>
-            <a:ext cx="2288300" cy="452120"/>
+            <a:off x="0" y="374902"/>
+            <a:ext cx="4572000" cy="452120"/>
           </a:xfrm>
           <a:prstGeom prst="rect">
             <a:avLst/>
@@ -10014,8 +10026,8 @@
         </p:nvSpPr>
         <p:spPr>
           <a:xfrm>
-            <a:off x="698500" y="5927725"/>
-            <a:ext cx="526415" cy="177800"/>
+            <a:off x="698500" y="5927724"/>
+            <a:ext cx="1435100" cy="166712"/>
           </a:xfrm>
           <a:prstGeom prst="rect">
             <a:avLst/>
@@ -10045,7 +10057,7 @@
               </a:rPr>
               <a:t>micro:bit</a:t>
             </a:r>
-            <a:endParaRPr sz="1000">
+            <a:endParaRPr sz="1000" dirty="0">
               <a:latin typeface="SourceSansPro-Semibold"/>
               <a:cs typeface="SourceSansPro-Semibold"/>
             </a:endParaRPr>
@@ -10723,8 +10735,8 @@
         </p:nvSpPr>
         <p:spPr>
           <a:xfrm>
-            <a:off x="1728892" y="5175250"/>
-            <a:ext cx="1114216" cy="228268"/>
+            <a:off x="0" y="5175250"/>
+            <a:ext cx="4572000" cy="228268"/>
           </a:xfrm>
           <a:prstGeom prst="rect">
             <a:avLst/>
@@ -10840,7 +10852,7 @@
               </a:rPr>
               <a:t>start.</a:t>
             </a:r>
-            <a:endParaRPr sz="900">
+            <a:endParaRPr sz="900" dirty="0">
               <a:latin typeface="SourceSansPro-Semibold"/>
               <a:cs typeface="SourceSansPro-Semibold"/>
             </a:endParaRPr>
@@ -10984,8 +10996,8 @@
         </p:nvSpPr>
         <p:spPr>
           <a:xfrm>
-            <a:off x="1404078" y="2512790"/>
-            <a:ext cx="1763844" cy="228268"/>
+            <a:off x="0" y="2512790"/>
+            <a:ext cx="4572000" cy="228268"/>
           </a:xfrm>
           <a:prstGeom prst="rect">
             <a:avLst/>
@@ -11060,8 +11072,8 @@
         </p:nvSpPr>
         <p:spPr>
           <a:xfrm>
-            <a:off x="1627997" y="1009650"/>
-            <a:ext cx="1316006" cy="228268"/>
+            <a:off x="0" y="1009650"/>
+            <a:ext cx="4571999" cy="228268"/>
           </a:xfrm>
           <a:prstGeom prst="rect">
             <a:avLst/>
@@ -11160,7 +11172,7 @@
         <p:spPr>
           <a:xfrm>
             <a:off x="215900" y="206653"/>
-            <a:ext cx="1259205" cy="591185"/>
+            <a:ext cx="4034160" cy="591185"/>
           </a:xfrm>
           <a:prstGeom prst="rect">
             <a:avLst/>
@@ -11184,7 +11196,6 @@
               <a:rPr sz="2400" dirty="0"/>
               <a:t>Jump</a:t>
             </a:r>
-            <a:endParaRPr sz="2400"/>
           </a:p>
           <a:p>
             <a:pPr marL="12700">
@@ -11202,7 +11213,7 @@
               </a:rPr>
               <a:t>scratch.mit.edu/microbit</a:t>
             </a:r>
-            <a:endParaRPr sz="900">
+            <a:endParaRPr sz="900" dirty="0">
               <a:latin typeface="SourceSansPro-Semibold"/>
               <a:cs typeface="SourceSansPro-Semibold"/>
             </a:endParaRPr>
@@ -11445,7 +11456,7 @@
         <p:spPr>
           <a:xfrm>
             <a:off x="1454924" y="1823904"/>
-            <a:ext cx="1662430" cy="415290"/>
+            <a:ext cx="1662430" cy="135935"/>
           </a:xfrm>
           <a:prstGeom prst="rect">
             <a:avLst/>
@@ -11473,94 +11484,19 @@
                 <a:latin typeface="SourceSansPro-Semibold"/>
                 <a:cs typeface="SourceSansPro-Semibold"/>
               </a:rPr>
-              <a:t>Wizard-toad</a:t>
-            </a:r>
-            <a:endParaRPr sz="800">
-              <a:latin typeface="SourceSansPro-Semibold"/>
-              <a:cs typeface="SourceSansPro-Semibold"/>
-            </a:endParaRPr>
-          </a:p>
-          <a:p>
-            <a:pPr>
-              <a:lnSpc>
-                <a:spcPct val="100000"/>
-              </a:lnSpc>
-              <a:spcBef>
-                <a:spcPts val="20"/>
-              </a:spcBef>
-            </a:pPr>
-            <a:endParaRPr sz="800">
-              <a:latin typeface="SourceSansPro-Semibold"/>
-              <a:cs typeface="SourceSansPro-Semibold"/>
-            </a:endParaRPr>
-          </a:p>
-          <a:p>
-            <a:pPr marL="12700">
-              <a:lnSpc>
-                <a:spcPct val="100000"/>
-              </a:lnSpc>
-            </a:pPr>
-            <a:r>
-              <a:rPr sz="900" b="1" spc="-5" dirty="0">
+              <a:t>Wizard-toa</a:t>
+            </a:r>
+            <a:r>
+              <a:rPr lang="nl-NL" sz="800" b="1" spc="-5" dirty="0">
                 <a:solidFill>
                   <a:srgbClr val="636466"/>
                 </a:solidFill>
                 <a:latin typeface="SourceSansPro-Semibold"/>
                 <a:cs typeface="SourceSansPro-Semibold"/>
               </a:rPr>
-              <a:t>Choose </a:t>
-            </a:r>
-            <a:r>
-              <a:rPr sz="900" b="1" dirty="0">
-                <a:solidFill>
-                  <a:srgbClr val="636466"/>
-                </a:solidFill>
-                <a:latin typeface="SourceSansPro-Semibold"/>
-                <a:cs typeface="SourceSansPro-Semibold"/>
-              </a:rPr>
-              <a:t>a </a:t>
-            </a:r>
-            <a:r>
-              <a:rPr sz="900" b="1" spc="-5" dirty="0">
-                <a:solidFill>
-                  <a:srgbClr val="636466"/>
-                </a:solidFill>
-                <a:latin typeface="SourceSansPro-Semibold"/>
-                <a:cs typeface="SourceSansPro-Semibold"/>
-              </a:rPr>
-              <a:t>sprite, </a:t>
-            </a:r>
-            <a:r>
-              <a:rPr sz="900" b="1" spc="-10" dirty="0">
-                <a:solidFill>
-                  <a:srgbClr val="636466"/>
-                </a:solidFill>
-                <a:latin typeface="SourceSansPro-Semibold"/>
-                <a:cs typeface="SourceSansPro-Semibold"/>
-              </a:rPr>
-              <a:t>like</a:t>
-            </a:r>
-            <a:r>
-              <a:rPr sz="900" b="1" spc="-20" dirty="0">
-                <a:solidFill>
-                  <a:srgbClr val="636466"/>
-                </a:solidFill>
-                <a:latin typeface="SourceSansPro-Semibold"/>
-                <a:cs typeface="SourceSansPro-Semibold"/>
-              </a:rPr>
-              <a:t> </a:t>
-            </a:r>
-            <a:r>
-              <a:rPr sz="900" b="1" spc="-5" dirty="0">
-                <a:solidFill>
-                  <a:srgbClr val="636466"/>
-                </a:solidFill>
-                <a:latin typeface="SourceSansPro-Semibold"/>
-                <a:cs typeface="SourceSansPro-Semibold"/>
-              </a:rPr>
-              <a:t>Wizard-toad.</a:t>
-            </a:r>
-            <a:endParaRPr sz="900">
+              <a:t>d</a:t>
+            </a:r>
+            <a:endParaRPr sz="900" dirty="0">
               <a:latin typeface="SourceSansPro-Semibold"/>
               <a:cs typeface="SourceSansPro-Semibold"/>
             </a:endParaRPr>
@@ -11729,7 +11665,7 @@
         <p:spPr>
           <a:xfrm>
             <a:off x="3350266" y="4436236"/>
-            <a:ext cx="899794" cy="330200"/>
+            <a:ext cx="899794" cy="312393"/>
           </a:xfrm>
           <a:prstGeom prst="rect">
             <a:avLst/>
@@ -11741,7 +11677,7 @@
           </a:bodyPr>
           <a:lstStyle/>
           <a:p>
-            <a:pPr marL="12700" marR="5080">
+            <a:pPr marR="5080">
               <a:lnSpc>
                 <a:spcPct val="111100"/>
               </a:lnSpc>
@@ -11819,7 +11755,7 @@
               </a:rPr>
               <a:t>down.</a:t>
             </a:r>
-            <a:endParaRPr sz="900">
+            <a:endParaRPr sz="900" dirty="0">
               <a:latin typeface="SourceSansPro-Semibold"/>
               <a:cs typeface="SourceSansPro-Semibold"/>
             </a:endParaRPr>
@@ -11865,6 +11801,105 @@
           <a:lstStyle/>
           <a:p>
             <a:endParaRPr/>
+          </a:p>
+        </p:txBody>
+      </p:sp>
+      <p:sp>
+        <p:nvSpPr>
+          <p:cNvPr id="28" name="object 23">
+            <a:extLst>
+              <a:ext uri="{FF2B5EF4-FFF2-40B4-BE49-F238E27FC236}">
+                <a16:creationId xmlns:a16="http://schemas.microsoft.com/office/drawing/2014/main" id="{554831A8-3E23-4A65-AE4D-2B3D12FA11EF}"/>
+              </a:ext>
+            </a:extLst>
+          </p:cNvPr>
+          <p:cNvSpPr txBox="1"/>
+          <p:nvPr/>
+        </p:nvSpPr>
+        <p:spPr>
+          <a:xfrm>
+            <a:off x="1505492" y="2135978"/>
+            <a:ext cx="1662430" cy="151323"/>
+          </a:xfrm>
+          <a:prstGeom prst="rect">
+            <a:avLst/>
+          </a:prstGeom>
+        </p:spPr>
+        <p:txBody>
+          <a:bodyPr vert="horz" wrap="square" lIns="0" tIns="12700" rIns="0" bIns="0" rtlCol="0">
+            <a:spAutoFit/>
+          </a:bodyPr>
+          <a:lstStyle/>
+          <a:p>
+            <a:pPr marL="12700">
+              <a:lnSpc>
+                <a:spcPct val="100000"/>
+              </a:lnSpc>
+            </a:pPr>
+            <a:r>
+              <a:rPr sz="900" b="1" spc="-5" dirty="0">
+                <a:solidFill>
+                  <a:srgbClr val="636466"/>
+                </a:solidFill>
+                <a:latin typeface="SourceSansPro-Semibold"/>
+                <a:cs typeface="SourceSansPro-Semibold"/>
+              </a:rPr>
+              <a:t>Choose </a:t>
+            </a:r>
+            <a:r>
+              <a:rPr sz="900" b="1" dirty="0">
+                <a:solidFill>
+                  <a:srgbClr val="636466"/>
+                </a:solidFill>
+                <a:latin typeface="SourceSansPro-Semibold"/>
+                <a:cs typeface="SourceSansPro-Semibold"/>
+              </a:rPr>
+              <a:t>a </a:t>
+            </a:r>
+            <a:r>
+              <a:rPr sz="900" b="1" spc="-5" dirty="0">
+                <a:solidFill>
+                  <a:srgbClr val="636466"/>
+                </a:solidFill>
+                <a:latin typeface="SourceSansPro-Semibold"/>
+                <a:cs typeface="SourceSansPro-Semibold"/>
+              </a:rPr>
+              <a:t>sprite, </a:t>
+            </a:r>
+            <a:r>
+              <a:rPr sz="900" b="1" spc="-10" dirty="0">
+                <a:solidFill>
+                  <a:srgbClr val="636466"/>
+                </a:solidFill>
+                <a:latin typeface="SourceSansPro-Semibold"/>
+                <a:cs typeface="SourceSansPro-Semibold"/>
+              </a:rPr>
+              <a:t>like</a:t>
+            </a:r>
+            <a:r>
+              <a:rPr sz="900" b="1" spc="-20" dirty="0">
+                <a:solidFill>
+                  <a:srgbClr val="636466"/>
+                </a:solidFill>
+                <a:latin typeface="SourceSansPro-Semibold"/>
+                <a:cs typeface="SourceSansPro-Semibold"/>
+              </a:rPr>
+              <a:t> </a:t>
+            </a:r>
+            <a:r>
+              <a:rPr sz="900" b="1" spc="-5" dirty="0">
+                <a:solidFill>
+                  <a:srgbClr val="636466"/>
+                </a:solidFill>
+                <a:latin typeface="SourceSansPro-Semibold"/>
+                <a:cs typeface="SourceSansPro-Semibold"/>
+              </a:rPr>
+              <a:t>Wizard-toad.</a:t>
+            </a:r>
+            <a:endParaRPr sz="900" dirty="0">
+              <a:latin typeface="SourceSansPro-Semibold"/>
+              <a:cs typeface="SourceSansPro-Semibold"/>
+            </a:endParaRPr>
           </a:p>
         </p:txBody>
       </p:sp>
@@ -12414,8 +12449,8 @@
         </p:nvSpPr>
         <p:spPr>
           <a:xfrm>
-            <a:off x="1157599" y="1103630"/>
-            <a:ext cx="2257425" cy="482600"/>
+            <a:off x="641342" y="1103630"/>
+            <a:ext cx="3289299" cy="457433"/>
           </a:xfrm>
           <a:prstGeom prst="rect">
             <a:avLst/>
@@ -12427,7 +12462,7 @@
           </a:bodyPr>
           <a:lstStyle/>
           <a:p>
-            <a:pPr marL="236854" marR="5080" indent="-224790">
+            <a:pPr marL="236854" marR="5080" indent="-224790" algn="ctr">
               <a:lnSpc>
                 <a:spcPct val="125000"/>
               </a:lnSpc>
@@ -12503,18 +12538,17 @@
                 <a:latin typeface="SourceSansPro-Semibold"/>
                 <a:cs typeface="SourceSansPro-Semibold"/>
               </a:rPr>
-              <a:t>side  when </a:t>
-            </a:r>
-            <a:r>
-              <a:rPr sz="1200" b="1" spc="-5" dirty="0">
+              <a:t>side</a:t>
+            </a:r>
+            <a:br>
+              <a:rPr lang="nl-NL" sz="1200" b="1" dirty="0">
                 <a:solidFill>
                   <a:srgbClr val="FFFFFF"/>
                 </a:solidFill>
                 <a:latin typeface="SourceSansPro-Semibold"/>
                 <a:cs typeface="SourceSansPro-Semibold"/>
               </a:rPr>
-              <a:t>you </a:t>
-            </a:r>
+            </a:br>
             <a:r>
               <a:rPr sz="1200" b="1" dirty="0">
                 <a:solidFill>
@@ -12523,29 +12557,49 @@
                 <a:latin typeface="SourceSansPro-Semibold"/>
                 <a:cs typeface="SourceSansPro-Semibold"/>
               </a:rPr>
-              <a:t>tilt the</a:t>
-            </a:r>
-            <a:r>
-              <a:rPr sz="1200" b="1" spc="-15" dirty="0">
+              <a:t> when </a:t>
+            </a:r>
+            <a:r>
+              <a:rPr sz="1200" b="1" spc="-5" dirty="0">
                 <a:solidFill>
                   <a:srgbClr val="FFFFFF"/>
                 </a:solidFill>
                 <a:latin typeface="SourceSansPro-Semibold"/>
                 <a:cs typeface="SourceSansPro-Semibold"/>
               </a:rPr>
-              <a:t> </a:t>
-            </a:r>
-            <a:r>
-              <a:rPr sz="1200" b="1" spc="-5" dirty="0">
+              <a:t>you </a:t>
+            </a:r>
+            <a:r>
+              <a:rPr sz="1200" b="1" dirty="0">
                 <a:solidFill>
                   <a:srgbClr val="FFFFFF"/>
                 </a:solidFill>
                 <a:latin typeface="SourceSansPro-Semibold"/>
                 <a:cs typeface="SourceSansPro-Semibold"/>
               </a:rPr>
+              <a:t>tilt the</a:t>
+            </a:r>
+            <a:r>
+              <a:rPr sz="1200" b="1" spc="-15" dirty="0">
+                <a:solidFill>
+                  <a:srgbClr val="FFFFFF"/>
+                </a:solidFill>
+                <a:latin typeface="SourceSansPro-Semibold"/>
+                <a:cs typeface="SourceSansPro-Semibold"/>
+              </a:rPr>
+              <a:t> </a:t>
+            </a:r>
+            <a:r>
+              <a:rPr sz="1200" b="1" spc="-5" dirty="0">
+                <a:solidFill>
+                  <a:srgbClr val="FFFFFF"/>
+                </a:solidFill>
+                <a:latin typeface="SourceSansPro-Semibold"/>
+                <a:cs typeface="SourceSansPro-Semibold"/>
+              </a:rPr>
               <a:t>micro:bit.</a:t>
             </a:r>
-            <a:endParaRPr sz="1200">
+            <a:endParaRPr sz="1200" dirty="0">
               <a:latin typeface="SourceSansPro-Semibold"/>
               <a:cs typeface="SourceSansPro-Semibold"/>
             </a:endParaRPr>
@@ -12564,8 +12618,8 @@
         </p:nvSpPr>
         <p:spPr>
           <a:xfrm>
-            <a:off x="600396" y="355600"/>
-            <a:ext cx="3371215" cy="366767"/>
+            <a:off x="0" y="355600"/>
+            <a:ext cx="4572000" cy="366767"/>
           </a:xfrm>
           <a:prstGeom prst="rect">
             <a:avLst/>
@@ -12774,8 +12828,8 @@
         </p:nvSpPr>
         <p:spPr>
           <a:xfrm>
-            <a:off x="698500" y="5927725"/>
-            <a:ext cx="526415" cy="177800"/>
+            <a:off x="698500" y="5927724"/>
+            <a:ext cx="1333245" cy="166712"/>
           </a:xfrm>
           <a:prstGeom prst="rect">
             <a:avLst/>
@@ -12805,7 +12859,7 @@
               </a:rPr>
               <a:t>micro:bit</a:t>
             </a:r>
-            <a:endParaRPr sz="1000">
+            <a:endParaRPr sz="1000" dirty="0">
               <a:latin typeface="SourceSansPro-Semibold"/>
               <a:cs typeface="SourceSansPro-Semibold"/>
             </a:endParaRPr>
@@ -13868,8 +13922,8 @@
         </p:nvSpPr>
         <p:spPr>
           <a:xfrm>
-            <a:off x="1385409" y="2785595"/>
-            <a:ext cx="1801183" cy="228268"/>
+            <a:off x="0" y="2785595"/>
+            <a:ext cx="4571999" cy="228268"/>
           </a:xfrm>
           <a:prstGeom prst="rect">
             <a:avLst/>
@@ -13944,8 +13998,8 @@
         </p:nvSpPr>
         <p:spPr>
           <a:xfrm>
-            <a:off x="1783579" y="5162550"/>
-            <a:ext cx="1004843" cy="228268"/>
+            <a:off x="0" y="5162550"/>
+            <a:ext cx="4572000" cy="228268"/>
           </a:xfrm>
           <a:prstGeom prst="rect">
             <a:avLst/>
@@ -14000,8 +14054,8 @@
         </p:nvSpPr>
         <p:spPr>
           <a:xfrm>
-            <a:off x="1578103" y="977900"/>
-            <a:ext cx="1415795" cy="228268"/>
+            <a:off x="-1" y="977900"/>
+            <a:ext cx="4571999" cy="228268"/>
           </a:xfrm>
           <a:prstGeom prst="rect">
             <a:avLst/>
@@ -14546,7 +14600,7 @@
               </a:rPr>
               <a:t>Witch</a:t>
             </a:r>
-            <a:endParaRPr sz="900">
+            <a:endParaRPr sz="900" dirty="0">
               <a:latin typeface="SourceSansPro-Semibold"/>
               <a:cs typeface="SourceSansPro-Semibold"/>
             </a:endParaRPr>
@@ -15036,8 +15090,8 @@
         </p:nvSpPr>
         <p:spPr>
           <a:xfrm>
-            <a:off x="845376" y="5934075"/>
-            <a:ext cx="2881630" cy="162560"/>
+            <a:off x="-1" y="5934075"/>
+            <a:ext cx="4572001" cy="151323"/>
           </a:xfrm>
           <a:prstGeom prst="rect">
             <a:avLst/>
@@ -15049,7 +15103,7 @@
           </a:bodyPr>
           <a:lstStyle/>
           <a:p>
-            <a:pPr marL="12700">
+            <a:pPr marL="12700" algn="ctr">
               <a:lnSpc>
                 <a:spcPct val="100000"/>
               </a:lnSpc>
@@ -15107,7 +15161,7 @@
               </a:rPr>
               <a:t>side.</a:t>
             </a:r>
-            <a:endParaRPr sz="900">
+            <a:endParaRPr sz="900" dirty="0">
               <a:latin typeface="SourceSansPro-Semibold"/>
               <a:cs typeface="SourceSansPro-Semibold"/>
             </a:endParaRPr>
@@ -15391,7 +15445,7 @@
           </a:bodyPr>
           <a:lstStyle/>
           <a:p>
-            <a:pPr marL="12700" marR="5080" algn="just">
+            <a:pPr marR="5080" algn="just">
               <a:lnSpc>
                 <a:spcPct val="111100"/>
               </a:lnSpc>
@@ -15499,7 +15553,7 @@
               </a:rPr>
               <a:t>block.</a:t>
             </a:r>
-            <a:endParaRPr sz="900">
+            <a:endParaRPr sz="900" dirty="0">
               <a:latin typeface="SourceSansPro-Semibold"/>
               <a:cs typeface="SourceSansPro-Semibold"/>
             </a:endParaRPr>
@@ -15637,7 +15691,7 @@
               </a:rPr>
               <a:t>House</a:t>
             </a:r>
-            <a:endParaRPr sz="900">
+            <a:endParaRPr sz="900" dirty="0">
               <a:latin typeface="SourceSansPro-Semibold"/>
               <a:cs typeface="SourceSansPro-Semibold"/>
             </a:endParaRPr>
@@ -16343,8 +16397,8 @@
         </p:nvSpPr>
         <p:spPr>
           <a:xfrm>
-            <a:off x="1353125" y="1143000"/>
-            <a:ext cx="1866264" cy="482600"/>
+            <a:off x="641342" y="1143000"/>
+            <a:ext cx="3289300" cy="457433"/>
           </a:xfrm>
           <a:prstGeom prst="rect">
             <a:avLst/>
@@ -16356,7 +16410,7 @@
           </a:bodyPr>
           <a:lstStyle/>
           <a:p>
-            <a:pPr marL="362585" marR="5080" indent="-350520">
+            <a:pPr marL="362585" marR="5080" indent="-350520" algn="ctr">
               <a:lnSpc>
                 <a:spcPct val="125000"/>
               </a:lnSpc>
@@ -16412,17 +16466,36 @@
                 <a:latin typeface="SourceSansPro-Semibold"/>
                 <a:cs typeface="SourceSansPro-Semibold"/>
               </a:rPr>
-              <a:t>the  </a:t>
-            </a:r>
-            <a:r>
-              <a:rPr sz="1200" b="1" spc="-5" dirty="0">
+              <a:t>the </a:t>
+            </a:r>
+            <a:br>
+              <a:rPr lang="nl-NL" sz="1200" b="1" dirty="0">
                 <a:solidFill>
                   <a:srgbClr val="FFFFFF"/>
                 </a:solidFill>
                 <a:latin typeface="SourceSansPro-Semibold"/>
                 <a:cs typeface="SourceSansPro-Semibold"/>
               </a:rPr>
-              <a:t>micro:bit </a:t>
+            </a:br>
+            <a:r>
+              <a:rPr sz="1200" b="1" spc="-5" dirty="0" err="1">
+                <a:solidFill>
+                  <a:srgbClr val="FFFFFF"/>
+                </a:solidFill>
+                <a:latin typeface="SourceSansPro-Semibold"/>
+                <a:cs typeface="SourceSansPro-Semibold"/>
+              </a:rPr>
+              <a:t>micro:bit</a:t>
+            </a:r>
+            <a:r>
+              <a:rPr sz="1200" b="1" spc="-5" dirty="0">
+                <a:solidFill>
+                  <a:srgbClr val="FFFFFF"/>
+                </a:solidFill>
+                <a:latin typeface="SourceSansPro-Semibold"/>
+                <a:cs typeface="SourceSansPro-Semibold"/>
+              </a:rPr>
+              <a:t> </a:t>
             </a:r>
             <a:r>
               <a:rPr sz="1200" b="1" spc="-10" dirty="0">
@@ -16453,8 +16526,8 @@
         </p:nvSpPr>
         <p:spPr>
           <a:xfrm>
-            <a:off x="754120" y="428796"/>
-            <a:ext cx="3063761" cy="382156"/>
+            <a:off x="0" y="428796"/>
+            <a:ext cx="4571999" cy="382156"/>
           </a:xfrm>
           <a:prstGeom prst="rect">
             <a:avLst/>
@@ -16692,8 +16765,8 @@
         </p:nvSpPr>
         <p:spPr>
           <a:xfrm>
-            <a:off x="698500" y="5927725"/>
-            <a:ext cx="526415" cy="177800"/>
+            <a:off x="698500" y="5927724"/>
+            <a:ext cx="1333245" cy="166712"/>
           </a:xfrm>
           <a:prstGeom prst="rect">
             <a:avLst/>
@@ -16723,7 +16796,7 @@
               </a:rPr>
               <a:t>micro:bit</a:t>
             </a:r>
-            <a:endParaRPr sz="1000">
+            <a:endParaRPr sz="1000" dirty="0">
               <a:latin typeface="SourceSansPro-Semibold"/>
               <a:cs typeface="SourceSansPro-Semibold"/>
             </a:endParaRPr>
@@ -17781,7 +17854,7 @@
               </a:rPr>
               <a:t>a</a:t>
             </a:r>
-            <a:endParaRPr sz="900">
+            <a:endParaRPr sz="900" dirty="0">
               <a:latin typeface="SourceSansPro-Semibold"/>
               <a:cs typeface="SourceSansPro-Semibold"/>
             </a:endParaRPr>
@@ -17847,7 +17920,7 @@
               </a:rPr>
               <a:t>grid.</a:t>
             </a:r>
-            <a:endParaRPr sz="900">
+            <a:endParaRPr sz="900" dirty="0">
               <a:latin typeface="SourceSansPro-Semibold"/>
               <a:cs typeface="SourceSansPro-Semibold"/>
             </a:endParaRPr>
@@ -18070,7 +18143,7 @@
               </a:rPr>
               <a:t>design.</a:t>
             </a:r>
-            <a:endParaRPr sz="900">
+            <a:endParaRPr sz="900" dirty="0">
               <a:latin typeface="SourceSansPro-Semibold"/>
               <a:cs typeface="SourceSansPro-Semibold"/>
             </a:endParaRPr>
@@ -18177,8 +18250,8 @@
         </p:nvSpPr>
         <p:spPr>
           <a:xfrm>
-            <a:off x="1362825" y="3353132"/>
-            <a:ext cx="1846351" cy="228268"/>
+            <a:off x="1" y="3353132"/>
+            <a:ext cx="4571998" cy="228268"/>
           </a:xfrm>
           <a:prstGeom prst="rect">
             <a:avLst/>
@@ -18253,8 +18326,8 @@
         </p:nvSpPr>
         <p:spPr>
           <a:xfrm>
-            <a:off x="1783192" y="4870450"/>
-            <a:ext cx="1005617" cy="228268"/>
+            <a:off x="0" y="4870450"/>
+            <a:ext cx="4572000" cy="228268"/>
           </a:xfrm>
           <a:prstGeom prst="rect">
             <a:avLst/>
@@ -18309,8 +18382,8 @@
         </p:nvSpPr>
         <p:spPr>
           <a:xfrm>
-            <a:off x="1638511" y="977900"/>
-            <a:ext cx="1294979" cy="228268"/>
+            <a:off x="0" y="977900"/>
+            <a:ext cx="4571999" cy="228268"/>
           </a:xfrm>
           <a:prstGeom prst="rect">
             <a:avLst/>
@@ -18380,7 +18453,7 @@
         <p:spPr>
           <a:xfrm>
             <a:off x="215900" y="206653"/>
-            <a:ext cx="3634677" cy="591185"/>
+            <a:ext cx="4183109" cy="591185"/>
           </a:xfrm>
           <a:prstGeom prst="rect">
             <a:avLst/>
@@ -18448,8 +18521,8 @@
         </p:nvSpPr>
         <p:spPr>
           <a:xfrm>
-            <a:off x="721932" y="5690494"/>
-            <a:ext cx="3128645" cy="162560"/>
+            <a:off x="0" y="5690494"/>
+            <a:ext cx="4571999" cy="151323"/>
           </a:xfrm>
           <a:prstGeom prst="rect">
             <a:avLst/>
@@ -18461,7 +18534,7 @@
           </a:bodyPr>
           <a:lstStyle/>
           <a:p>
-            <a:pPr marL="12700">
+            <a:pPr marL="12700" algn="ctr">
               <a:lnSpc>
                 <a:spcPct val="100000"/>
               </a:lnSpc>
@@ -18529,7 +18602,7 @@
               </a:rPr>
               <a:t>micro:bit.</a:t>
             </a:r>
-            <a:endParaRPr sz="900">
+            <a:endParaRPr sz="900" dirty="0">
               <a:latin typeface="SourceSansPro-Semibold"/>
               <a:cs typeface="SourceSansPro-Semibold"/>
             </a:endParaRPr>
@@ -22542,8 +22615,8 @@
         </p:nvSpPr>
         <p:spPr>
           <a:xfrm>
-            <a:off x="1071690" y="1146175"/>
-            <a:ext cx="2409825" cy="751488"/>
+            <a:off x="-585" y="1146175"/>
+            <a:ext cx="4571999" cy="751488"/>
           </a:xfrm>
           <a:prstGeom prst="rect">
             <a:avLst/>
@@ -22564,13 +22637,12 @@
               </a:spcBef>
             </a:pPr>
             <a:r>
-              <a:rPr sz="2400" spc="-5" dirty="0"/>
+              <a:rPr sz="2400" spc="-5" dirty="0" err="1"/>
               <a:t>micro:bit</a:t>
             </a:r>
-            <a:r>
-              <a:rPr sz="2400" spc="-45" dirty="0"/>
-              <a:t> </a:t>
-            </a:r>
+            <a:br>
+              <a:rPr lang="nl-NL" sz="2400" spc="-45" dirty="0"/>
+            </a:br>
             <a:r>
               <a:rPr sz="2400" spc="-10" dirty="0"/>
               <a:t>Cards</a:t>
@@ -23075,8 +23147,8 @@
         </p:nvSpPr>
         <p:spPr>
           <a:xfrm>
-            <a:off x="3366782" y="5937250"/>
-            <a:ext cx="751840" cy="177800"/>
+            <a:off x="2715926" y="5937250"/>
+            <a:ext cx="1402696" cy="166712"/>
           </a:xfrm>
           <a:prstGeom prst="rect">
             <a:avLst/>
@@ -23088,7 +23160,7 @@
           </a:bodyPr>
           <a:lstStyle/>
           <a:p>
-            <a:pPr marL="12700">
+            <a:pPr marL="12700" algn="r">
               <a:lnSpc>
                 <a:spcPct val="100000"/>
               </a:lnSpc>
@@ -23146,7 +23218,7 @@
               </a:rPr>
               <a:t>cards</a:t>
             </a:r>
-            <a:endParaRPr sz="1000">
+            <a:endParaRPr sz="1000" dirty="0">
               <a:latin typeface="SourceSansPro-Semibold"/>
               <a:cs typeface="SourceSansPro-Semibold"/>
             </a:endParaRPr>
@@ -23809,8 +23881,8 @@
         </p:nvSpPr>
         <p:spPr>
           <a:xfrm>
-            <a:off x="1322388" y="355600"/>
-            <a:ext cx="1927225" cy="382156"/>
+            <a:off x="0" y="355600"/>
+            <a:ext cx="4572000" cy="382156"/>
           </a:xfrm>
           <a:prstGeom prst="rect">
             <a:avLst/>
@@ -23853,8 +23925,8 @@
         </p:nvSpPr>
         <p:spPr>
           <a:xfrm>
-            <a:off x="698500" y="5927725"/>
-            <a:ext cx="526415" cy="177800"/>
+            <a:off x="698500" y="5927724"/>
+            <a:ext cx="1435100" cy="166712"/>
           </a:xfrm>
           <a:prstGeom prst="rect">
             <a:avLst/>
@@ -23884,7 +23956,7 @@
               </a:rPr>
               <a:t>micro:bit</a:t>
             </a:r>
-            <a:endParaRPr sz="1000">
+            <a:endParaRPr sz="1000" dirty="0">
               <a:latin typeface="SourceSansPro-Semibold"/>
               <a:cs typeface="SourceSansPro-Semibold"/>
             </a:endParaRPr>
@@ -28469,8 +28541,8 @@
         </p:nvSpPr>
         <p:spPr>
           <a:xfrm>
-            <a:off x="698500" y="5927725"/>
-            <a:ext cx="526415" cy="177800"/>
+            <a:off x="698500" y="5927724"/>
+            <a:ext cx="1435100" cy="166712"/>
           </a:xfrm>
           <a:prstGeom prst="rect">
             <a:avLst/>
@@ -28500,7 +28572,7 @@
               </a:rPr>
               <a:t>micro:bit</a:t>
             </a:r>
-            <a:endParaRPr sz="1000">
+            <a:endParaRPr sz="1000" dirty="0">
               <a:latin typeface="SourceSansPro-Semibold"/>
               <a:cs typeface="SourceSansPro-Semibold"/>
             </a:endParaRPr>
@@ -29449,188 +29521,209 @@
           </a:p>
         </p:txBody>
       </p:sp>
-      <p:sp>
-        <p:nvSpPr>
-          <p:cNvPr id="17" name="object 17"/>
-          <p:cNvSpPr/>
-          <p:nvPr/>
-        </p:nvSpPr>
-        <p:spPr>
-          <a:xfrm>
-            <a:off x="3278574" y="5361623"/>
-            <a:ext cx="412388" cy="412393"/>
-          </a:xfrm>
-          <a:prstGeom prst="rect">
-            <a:avLst/>
-          </a:prstGeom>
-          <a:blipFill>
-            <a:blip r:embed="rId4" cstate="print"/>
-            <a:stretch>
-              <a:fillRect/>
-            </a:stretch>
-          </a:blipFill>
-        </p:spPr>
-        <p:txBody>
-          <a:bodyPr wrap="square" lIns="0" tIns="0" rIns="0" bIns="0" rtlCol="0"/>
-          <a:lstStyle/>
-          <a:p>
-            <a:endParaRPr/>
-          </a:p>
-        </p:txBody>
-      </p:sp>
-      <p:sp>
-        <p:nvSpPr>
-          <p:cNvPr id="18" name="object 18"/>
-          <p:cNvSpPr/>
-          <p:nvPr/>
-        </p:nvSpPr>
-        <p:spPr>
+      <p:grpSp>
+        <p:nvGrpSpPr>
+          <p:cNvPr id="48" name="Group 47">
+            <a:extLst>
+              <a:ext uri="{FF2B5EF4-FFF2-40B4-BE49-F238E27FC236}">
+                <a16:creationId xmlns:a16="http://schemas.microsoft.com/office/drawing/2014/main" id="{D119D2F2-5FB4-4466-B6DD-AE620D9D56D8}"/>
+              </a:ext>
+            </a:extLst>
+          </p:cNvPr>
+          <p:cNvGrpSpPr/>
+          <p:nvPr/>
+        </p:nvGrpSpPr>
+        <p:grpSpPr>
           <a:xfrm>
             <a:off x="3278573" y="5361623"/>
             <a:ext cx="412750" cy="412750"/>
-          </a:xfrm>
-          <a:custGeom>
-            <a:avLst/>
-            <a:gdLst/>
-            <a:ahLst/>
-            <a:cxnLst/>
-            <a:rect l="l" t="t" r="r" b="b"/>
-            <a:pathLst>
-              <a:path w="412750" h="412750">
-                <a:moveTo>
-                  <a:pt x="206197" y="412394"/>
-                </a:moveTo>
-                <a:lnTo>
-                  <a:pt x="253476" y="406948"/>
-                </a:lnTo>
-                <a:lnTo>
-                  <a:pt x="296878" y="391436"/>
-                </a:lnTo>
-                <a:lnTo>
-                  <a:pt x="335163" y="367095"/>
-                </a:lnTo>
-                <a:lnTo>
-                  <a:pt x="367095" y="335163"/>
-                </a:lnTo>
-                <a:lnTo>
-                  <a:pt x="391436" y="296878"/>
-                </a:lnTo>
-                <a:lnTo>
-                  <a:pt x="406948" y="253476"/>
-                </a:lnTo>
-                <a:lnTo>
-                  <a:pt x="412394" y="206197"/>
-                </a:lnTo>
-                <a:lnTo>
-                  <a:pt x="406948" y="158917"/>
-                </a:lnTo>
-                <a:lnTo>
-                  <a:pt x="391436" y="115516"/>
-                </a:lnTo>
-                <a:lnTo>
-                  <a:pt x="367095" y="77230"/>
-                </a:lnTo>
-                <a:lnTo>
-                  <a:pt x="335163" y="45298"/>
-                </a:lnTo>
-                <a:lnTo>
-                  <a:pt x="296878" y="20957"/>
-                </a:lnTo>
-                <a:lnTo>
-                  <a:pt x="253476" y="5445"/>
-                </a:lnTo>
-                <a:lnTo>
-                  <a:pt x="206197" y="0"/>
-                </a:lnTo>
-                <a:lnTo>
-                  <a:pt x="158917" y="5445"/>
-                </a:lnTo>
-                <a:lnTo>
-                  <a:pt x="115516" y="20957"/>
-                </a:lnTo>
-                <a:lnTo>
-                  <a:pt x="77230" y="45298"/>
-                </a:lnTo>
-                <a:lnTo>
-                  <a:pt x="45298" y="77230"/>
-                </a:lnTo>
-                <a:lnTo>
-                  <a:pt x="20957" y="115516"/>
-                </a:lnTo>
-                <a:lnTo>
-                  <a:pt x="5445" y="158917"/>
-                </a:lnTo>
-                <a:lnTo>
-                  <a:pt x="0" y="206197"/>
-                </a:lnTo>
-                <a:lnTo>
-                  <a:pt x="5445" y="253476"/>
-                </a:lnTo>
-                <a:lnTo>
-                  <a:pt x="20957" y="296878"/>
-                </a:lnTo>
-                <a:lnTo>
-                  <a:pt x="45298" y="335163"/>
-                </a:lnTo>
-                <a:lnTo>
-                  <a:pt x="77230" y="367095"/>
-                </a:lnTo>
-                <a:lnTo>
-                  <a:pt x="115516" y="391436"/>
-                </a:lnTo>
-                <a:lnTo>
-                  <a:pt x="158917" y="406948"/>
-                </a:lnTo>
-                <a:lnTo>
-                  <a:pt x="206197" y="412394"/>
-                </a:lnTo>
-                <a:close/>
-              </a:path>
-            </a:pathLst>
-          </a:custGeom>
-          <a:ln w="17145">
-            <a:solidFill>
-              <a:srgbClr val="00A1CB"/>
-            </a:solidFill>
-          </a:ln>
-        </p:spPr>
-        <p:txBody>
-          <a:bodyPr wrap="square" lIns="0" tIns="0" rIns="0" bIns="0" rtlCol="0"/>
-          <a:lstStyle/>
-          <a:p>
-            <a:endParaRPr/>
-          </a:p>
-        </p:txBody>
-      </p:sp>
-      <p:sp>
-        <p:nvSpPr>
-          <p:cNvPr id="19" name="object 19"/>
-          <p:cNvSpPr/>
-          <p:nvPr/>
-        </p:nvSpPr>
-        <p:spPr>
-          <a:xfrm>
-            <a:off x="3362707" y="5457523"/>
-            <a:ext cx="245248" cy="231885"/>
-          </a:xfrm>
-          <a:prstGeom prst="rect">
-            <a:avLst/>
-          </a:prstGeom>
-          <a:blipFill>
-            <a:blip r:embed="rId5" cstate="print"/>
-            <a:stretch>
-              <a:fillRect/>
-            </a:stretch>
-          </a:blipFill>
-        </p:spPr>
-        <p:txBody>
-          <a:bodyPr wrap="square" lIns="0" tIns="0" rIns="0" bIns="0" rtlCol="0"/>
-          <a:lstStyle/>
-          <a:p>
-            <a:endParaRPr/>
-          </a:p>
-        </p:txBody>
-      </p:sp>
+            <a:chOff x="3278573" y="5361623"/>
+            <a:chExt cx="412750" cy="412750"/>
+          </a:xfrm>
+        </p:grpSpPr>
+        <p:sp>
+          <p:nvSpPr>
+            <p:cNvPr id="17" name="object 17"/>
+            <p:cNvSpPr/>
+            <p:nvPr/>
+          </p:nvSpPr>
+          <p:spPr>
+            <a:xfrm>
+              <a:off x="3278574" y="5361623"/>
+              <a:ext cx="412388" cy="412393"/>
+            </a:xfrm>
+            <a:prstGeom prst="rect">
+              <a:avLst/>
+            </a:prstGeom>
+            <a:blipFill>
+              <a:blip r:embed="rId4" cstate="print"/>
+              <a:stretch>
+                <a:fillRect/>
+              </a:stretch>
+            </a:blipFill>
+          </p:spPr>
+          <p:txBody>
+            <a:bodyPr wrap="square" lIns="0" tIns="0" rIns="0" bIns="0" rtlCol="0"/>
+            <a:lstStyle/>
+            <a:p>
+              <a:endParaRPr/>
+            </a:p>
+          </p:txBody>
+        </p:sp>
+        <p:sp>
+          <p:nvSpPr>
+            <p:cNvPr id="18" name="object 18"/>
+            <p:cNvSpPr/>
+            <p:nvPr/>
+          </p:nvSpPr>
+          <p:spPr>
+            <a:xfrm>
+              <a:off x="3278573" y="5361623"/>
+              <a:ext cx="412750" cy="412750"/>
+            </a:xfrm>
+            <a:custGeom>
+              <a:avLst/>
+              <a:gdLst/>
+              <a:ahLst/>
+              <a:cxnLst/>
+              <a:rect l="l" t="t" r="r" b="b"/>
+              <a:pathLst>
+                <a:path w="412750" h="412750">
+                  <a:moveTo>
+                    <a:pt x="206197" y="412394"/>
+                  </a:moveTo>
+                  <a:lnTo>
+                    <a:pt x="253476" y="406948"/>
+                  </a:lnTo>
+                  <a:lnTo>
+                    <a:pt x="296878" y="391436"/>
+                  </a:lnTo>
+                  <a:lnTo>
+                    <a:pt x="335163" y="367095"/>
+                  </a:lnTo>
+                  <a:lnTo>
+                    <a:pt x="367095" y="335163"/>
+                  </a:lnTo>
+                  <a:lnTo>
+                    <a:pt x="391436" y="296878"/>
+                  </a:lnTo>
+                  <a:lnTo>
+                    <a:pt x="406948" y="253476"/>
+                  </a:lnTo>
+                  <a:lnTo>
+                    <a:pt x="412394" y="206197"/>
+                  </a:lnTo>
+                  <a:lnTo>
+                    <a:pt x="406948" y="158917"/>
+                  </a:lnTo>
+                  <a:lnTo>
+                    <a:pt x="391436" y="115516"/>
+                  </a:lnTo>
+                  <a:lnTo>
+                    <a:pt x="367095" y="77230"/>
+                  </a:lnTo>
+                  <a:lnTo>
+                    <a:pt x="335163" y="45298"/>
+                  </a:lnTo>
+                  <a:lnTo>
+                    <a:pt x="296878" y="20957"/>
+                  </a:lnTo>
+                  <a:lnTo>
+                    <a:pt x="253476" y="5445"/>
+                  </a:lnTo>
+                  <a:lnTo>
+                    <a:pt x="206197" y="0"/>
+                  </a:lnTo>
+                  <a:lnTo>
+                    <a:pt x="158917" y="5445"/>
+                  </a:lnTo>
+                  <a:lnTo>
+                    <a:pt x="115516" y="20957"/>
+                  </a:lnTo>
+                  <a:lnTo>
+                    <a:pt x="77230" y="45298"/>
+                  </a:lnTo>
+                  <a:lnTo>
+                    <a:pt x="45298" y="77230"/>
+                  </a:lnTo>
+                  <a:lnTo>
+                    <a:pt x="20957" y="115516"/>
+                  </a:lnTo>
+                  <a:lnTo>
+                    <a:pt x="5445" y="158917"/>
+                  </a:lnTo>
+                  <a:lnTo>
+                    <a:pt x="0" y="206197"/>
+                  </a:lnTo>
+                  <a:lnTo>
+                    <a:pt x="5445" y="253476"/>
+                  </a:lnTo>
+                  <a:lnTo>
+                    <a:pt x="20957" y="296878"/>
+                  </a:lnTo>
+                  <a:lnTo>
+                    <a:pt x="45298" y="335163"/>
+                  </a:lnTo>
+                  <a:lnTo>
+                    <a:pt x="77230" y="367095"/>
+                  </a:lnTo>
+                  <a:lnTo>
+                    <a:pt x="115516" y="391436"/>
+                  </a:lnTo>
+                  <a:lnTo>
+                    <a:pt x="158917" y="406948"/>
+                  </a:lnTo>
+                  <a:lnTo>
+                    <a:pt x="206197" y="412394"/>
+                  </a:lnTo>
+                  <a:close/>
+                </a:path>
+              </a:pathLst>
+            </a:custGeom>
+            <a:ln w="17145">
+              <a:solidFill>
+                <a:srgbClr val="00A1CB"/>
+              </a:solidFill>
+            </a:ln>
+          </p:spPr>
+          <p:txBody>
+            <a:bodyPr wrap="square" lIns="0" tIns="0" rIns="0" bIns="0" rtlCol="0"/>
+            <a:lstStyle/>
+            <a:p>
+              <a:endParaRPr/>
+            </a:p>
+          </p:txBody>
+        </p:sp>
+        <p:sp>
+          <p:nvSpPr>
+            <p:cNvPr id="19" name="object 19"/>
+            <p:cNvSpPr/>
+            <p:nvPr/>
+          </p:nvSpPr>
+          <p:spPr>
+            <a:xfrm>
+              <a:off x="3362707" y="5457523"/>
+              <a:ext cx="245248" cy="231885"/>
+            </a:xfrm>
+            <a:prstGeom prst="rect">
+              <a:avLst/>
+            </a:prstGeom>
+            <a:blipFill>
+              <a:blip r:embed="rId5" cstate="print"/>
+              <a:stretch>
+                <a:fillRect/>
+              </a:stretch>
+            </a:blipFill>
+          </p:spPr>
+          <p:txBody>
+            <a:bodyPr wrap="square" lIns="0" tIns="0" rIns="0" bIns="0" rtlCol="0"/>
+            <a:lstStyle/>
+            <a:p>
+              <a:endParaRPr/>
+            </a:p>
+          </p:txBody>
+        </p:sp>
+      </p:grpSp>
       <p:sp>
         <p:nvSpPr>
           <p:cNvPr id="20" name="object 20"/>
@@ -30029,7 +30122,7 @@
         <p:spPr>
           <a:xfrm>
             <a:off x="215900" y="206653"/>
-            <a:ext cx="1259205" cy="591185"/>
+            <a:ext cx="4127709" cy="591185"/>
           </a:xfrm>
           <a:prstGeom prst="rect">
             <a:avLst/>
@@ -32896,7 +32989,7 @@
         <p:spPr>
           <a:xfrm>
             <a:off x="698500" y="5927725"/>
-            <a:ext cx="526415" cy="177800"/>
+            <a:ext cx="1333245" cy="166712"/>
           </a:xfrm>
           <a:prstGeom prst="rect">
             <a:avLst/>
@@ -33604,8 +33697,8 @@
         </p:nvSpPr>
         <p:spPr>
           <a:xfrm>
-            <a:off x="1003762" y="2584450"/>
-            <a:ext cx="1984683" cy="228268"/>
+            <a:off x="0" y="2584450"/>
+            <a:ext cx="4571999" cy="228268"/>
           </a:xfrm>
           <a:prstGeom prst="rect">
             <a:avLst/>
@@ -33617,7 +33710,7 @@
           </a:bodyPr>
           <a:lstStyle/>
           <a:p>
-            <a:pPr marL="12700">
+            <a:pPr marL="12700" algn="ctr">
               <a:lnSpc>
                 <a:spcPct val="100000"/>
               </a:lnSpc>
@@ -33709,8 +33802,8 @@
         </p:nvSpPr>
         <p:spPr>
           <a:xfrm>
-            <a:off x="1447801" y="1009650"/>
-            <a:ext cx="1323130" cy="228268"/>
+            <a:off x="0" y="1009650"/>
+            <a:ext cx="4572000" cy="228268"/>
           </a:xfrm>
           <a:prstGeom prst="rect">
             <a:avLst/>
@@ -33722,7 +33815,7 @@
           </a:bodyPr>
           <a:lstStyle/>
           <a:p>
-            <a:pPr marL="12700">
+            <a:pPr marL="12700" algn="ctr">
               <a:lnSpc>
                 <a:spcPct val="100000"/>
               </a:lnSpc>
@@ -33779,8 +33872,8 @@
         </p:nvSpPr>
         <p:spPr>
           <a:xfrm>
-            <a:off x="215900" y="206653"/>
-            <a:ext cx="2675566" cy="591185"/>
+            <a:off x="215899" y="206653"/>
+            <a:ext cx="4183109" cy="591185"/>
           </a:xfrm>
           <a:prstGeom prst="rect">
             <a:avLst/>
@@ -35128,8 +35221,8 @@
         </p:nvSpPr>
         <p:spPr>
           <a:xfrm>
-            <a:off x="1728892" y="5072780"/>
-            <a:ext cx="1114216" cy="228268"/>
+            <a:off x="0" y="5072780"/>
+            <a:ext cx="4571998" cy="228268"/>
           </a:xfrm>
           <a:prstGeom prst="rect">
             <a:avLst/>
@@ -35722,8 +35815,8 @@
         </p:nvSpPr>
         <p:spPr>
           <a:xfrm>
-            <a:off x="822167" y="1103630"/>
-            <a:ext cx="2927985" cy="482600"/>
+            <a:off x="641342" y="1103630"/>
+            <a:ext cx="3289299" cy="457433"/>
           </a:xfrm>
           <a:prstGeom prst="rect">
             <a:avLst/>
@@ -35735,7 +35828,7 @@
           </a:bodyPr>
           <a:lstStyle/>
           <a:p>
-            <a:pPr marL="902335" marR="5080" indent="-890269">
+            <a:pPr marR="5080" algn="ctr">
               <a:lnSpc>
                 <a:spcPct val="125000"/>
               </a:lnSpc>
@@ -35813,7 +35906,7 @@
               </a:rPr>
               <a:t>micro:bit button.</a:t>
             </a:r>
-            <a:endParaRPr sz="1200">
+            <a:endParaRPr sz="1200" dirty="0">
               <a:latin typeface="SourceSansPro-Semibold"/>
               <a:cs typeface="SourceSansPro-Semibold"/>
             </a:endParaRPr>
@@ -35832,8 +35925,8 @@
         </p:nvSpPr>
         <p:spPr>
           <a:xfrm>
-            <a:off x="662064" y="417239"/>
-            <a:ext cx="3247872" cy="382156"/>
+            <a:off x="0" y="417239"/>
+            <a:ext cx="4572000" cy="382156"/>
           </a:xfrm>
           <a:prstGeom prst="rect">
             <a:avLst/>
@@ -36097,7 +36190,7 @@
         <p:spPr>
           <a:xfrm>
             <a:off x="698500" y="5927725"/>
-            <a:ext cx="526415" cy="177800"/>
+            <a:ext cx="1333245" cy="166712"/>
           </a:xfrm>
           <a:prstGeom prst="rect">
             <a:avLst/>
@@ -36127,7 +36220,7 @@
               </a:rPr>
               <a:t>micro:bit</a:t>
             </a:r>
-            <a:endParaRPr sz="1000">
+            <a:endParaRPr sz="1000" dirty="0">
               <a:latin typeface="SourceSansPro-Semibold"/>
               <a:cs typeface="SourceSansPro-Semibold"/>
             </a:endParaRPr>
